--- a/design/design.pptx
+++ b/design/design.pptx
@@ -6,6 +6,8 @@
   </p:sldMasterIdLst>
   <p:sldIdLst>
     <p:sldId id="256" r:id="rId2"/>
+    <p:sldId id="258" r:id="rId3"/>
+    <p:sldId id="257" r:id="rId4"/>
   </p:sldIdLst>
   <p:sldSz cx="12192000" cy="6858000"/>
   <p:notesSz cx="6858000" cy="9144000"/>
@@ -104,6 +106,11 @@
       </a:defRPr>
     </a:lvl9pPr>
   </p:defaultTextStyle>
+  <p:extLst>
+    <p:ext uri="{EFAFB233-063F-42B5-8137-9DF3F51BA10A}">
+      <p15:sldGuideLst xmlns:p15="http://schemas.microsoft.com/office/powerpoint/2012/main"/>
+    </p:ext>
+  </p:extLst>
 </p:presentation>
 </file>
 
@@ -238,7 +245,7 @@
           <a:p>
             <a:fld id="{B707E1E2-11D8-44CA-8A37-1317D29BCE36}" type="datetimeFigureOut">
               <a:rPr lang="en-US" smtClean="0"/>
-              <a:t>4/4/2018</a:t>
+              <a:t>4/13/2018</a:t>
             </a:fld>
             <a:endParaRPr lang="en-US"/>
           </a:p>
@@ -408,7 +415,7 @@
           <a:p>
             <a:fld id="{B707E1E2-11D8-44CA-8A37-1317D29BCE36}" type="datetimeFigureOut">
               <a:rPr lang="en-US" smtClean="0"/>
-              <a:t>4/4/2018</a:t>
+              <a:t>4/13/2018</a:t>
             </a:fld>
             <a:endParaRPr lang="en-US"/>
           </a:p>
@@ -588,7 +595,7 @@
           <a:p>
             <a:fld id="{B707E1E2-11D8-44CA-8A37-1317D29BCE36}" type="datetimeFigureOut">
               <a:rPr lang="en-US" smtClean="0"/>
-              <a:t>4/4/2018</a:t>
+              <a:t>4/13/2018</a:t>
             </a:fld>
             <a:endParaRPr lang="en-US"/>
           </a:p>
@@ -758,7 +765,7 @@
           <a:p>
             <a:fld id="{B707E1E2-11D8-44CA-8A37-1317D29BCE36}" type="datetimeFigureOut">
               <a:rPr lang="en-US" smtClean="0"/>
-              <a:t>4/4/2018</a:t>
+              <a:t>4/13/2018</a:t>
             </a:fld>
             <a:endParaRPr lang="en-US"/>
           </a:p>
@@ -1004,7 +1011,7 @@
           <a:p>
             <a:fld id="{B707E1E2-11D8-44CA-8A37-1317D29BCE36}" type="datetimeFigureOut">
               <a:rPr lang="en-US" smtClean="0"/>
-              <a:t>4/4/2018</a:t>
+              <a:t>4/13/2018</a:t>
             </a:fld>
             <a:endParaRPr lang="en-US"/>
           </a:p>
@@ -1236,7 +1243,7 @@
           <a:p>
             <a:fld id="{B707E1E2-11D8-44CA-8A37-1317D29BCE36}" type="datetimeFigureOut">
               <a:rPr lang="en-US" smtClean="0"/>
-              <a:t>4/4/2018</a:t>
+              <a:t>4/13/2018</a:t>
             </a:fld>
             <a:endParaRPr lang="en-US"/>
           </a:p>
@@ -1603,7 +1610,7 @@
           <a:p>
             <a:fld id="{B707E1E2-11D8-44CA-8A37-1317D29BCE36}" type="datetimeFigureOut">
               <a:rPr lang="en-US" smtClean="0"/>
-              <a:t>4/4/2018</a:t>
+              <a:t>4/13/2018</a:t>
             </a:fld>
             <a:endParaRPr lang="en-US"/>
           </a:p>
@@ -1721,7 +1728,7 @@
           <a:p>
             <a:fld id="{B707E1E2-11D8-44CA-8A37-1317D29BCE36}" type="datetimeFigureOut">
               <a:rPr lang="en-US" smtClean="0"/>
-              <a:t>4/4/2018</a:t>
+              <a:t>4/13/2018</a:t>
             </a:fld>
             <a:endParaRPr lang="en-US"/>
           </a:p>
@@ -1816,7 +1823,7 @@
           <a:p>
             <a:fld id="{B707E1E2-11D8-44CA-8A37-1317D29BCE36}" type="datetimeFigureOut">
               <a:rPr lang="en-US" smtClean="0"/>
-              <a:t>4/4/2018</a:t>
+              <a:t>4/13/2018</a:t>
             </a:fld>
             <a:endParaRPr lang="en-US"/>
           </a:p>
@@ -2093,7 +2100,7 @@
           <a:p>
             <a:fld id="{B707E1E2-11D8-44CA-8A37-1317D29BCE36}" type="datetimeFigureOut">
               <a:rPr lang="en-US" smtClean="0"/>
-              <a:t>4/4/2018</a:t>
+              <a:t>4/13/2018</a:t>
             </a:fld>
             <a:endParaRPr lang="en-US"/>
           </a:p>
@@ -2346,7 +2353,7 @@
           <a:p>
             <a:fld id="{B707E1E2-11D8-44CA-8A37-1317D29BCE36}" type="datetimeFigureOut">
               <a:rPr lang="en-US" smtClean="0"/>
-              <a:t>4/4/2018</a:t>
+              <a:t>4/13/2018</a:t>
             </a:fld>
             <a:endParaRPr lang="en-US"/>
           </a:p>
@@ -2559,7 +2566,7 @@
           <a:p>
             <a:fld id="{B707E1E2-11D8-44CA-8A37-1317D29BCE36}" type="datetimeFigureOut">
               <a:rPr lang="en-US" smtClean="0"/>
-              <a:t>4/4/2018</a:t>
+              <a:t>4/13/2018</a:t>
             </a:fld>
             <a:endParaRPr lang="en-US"/>
           </a:p>
@@ -2966,14 +2973,14 @@
       </p:grpSpPr>
       <p:sp>
         <p:nvSpPr>
-          <p:cNvPr id="4" name="矩形 3"/>
+          <p:cNvPr id="2" name="矩形 1"/>
           <p:cNvSpPr/>
           <p:nvPr/>
         </p:nvSpPr>
         <p:spPr>
           <a:xfrm>
-            <a:off x="870858" y="1026369"/>
-            <a:ext cx="1374710" cy="510073"/>
+            <a:off x="950615" y="2218099"/>
+            <a:ext cx="2716040" cy="1140736"/>
           </a:xfrm>
           <a:prstGeom prst="rect">
             <a:avLst/>
@@ -3002,7 +3009,7 @@
             <a:pPr algn="ctr"/>
             <a:r>
               <a:rPr lang="en-US" dirty="0" smtClean="0"/>
-              <a:t>project</a:t>
+              <a:t>index</a:t>
             </a:r>
             <a:endParaRPr lang="en-US" dirty="0"/>
           </a:p>
@@ -3010,14 +3017,97 @@
       </p:sp>
       <p:sp>
         <p:nvSpPr>
-          <p:cNvPr id="5" name="矩形 4"/>
+          <p:cNvPr id="3" name="标题 2"/>
+          <p:cNvSpPr>
+            <a:spLocks noGrp="1"/>
+          </p:cNvSpPr>
+          <p:nvPr>
+            <p:ph type="title"/>
+          </p:nvPr>
+        </p:nvSpPr>
+        <p:spPr/>
+        <p:txBody>
+          <a:bodyPr/>
+          <a:lstStyle/>
+          <a:p>
+            <a:r>
+              <a:rPr lang="en-US" dirty="0" smtClean="0"/>
+              <a:t>PHP.NET Apps</a:t>
+            </a:r>
+            <a:endParaRPr lang="en-US" dirty="0"/>
+          </a:p>
+        </p:txBody>
+      </p:sp>
+    </p:spTree>
+    <p:extLst>
+      <p:ext uri="{BB962C8B-B14F-4D97-AF65-F5344CB8AC3E}">
+        <p14:creationId xmlns:p14="http://schemas.microsoft.com/office/powerpoint/2010/main" val="2000895252"/>
+      </p:ext>
+    </p:extLst>
+  </p:cSld>
+  <p:clrMapOvr>
+    <a:masterClrMapping/>
+  </p:clrMapOvr>
+  <p:timing>
+    <p:tnLst>
+      <p:par>
+        <p:cTn id="1" dur="indefinite" restart="never" nodeType="tmRoot"/>
+      </p:par>
+    </p:tnLst>
+  </p:timing>
+</p:sld>
+</file>
+
+<file path=ppt/slides/slide2.xml><?xml version="1.0" encoding="utf-8"?>
+<p:sld xmlns:a="http://schemas.openxmlformats.org/drawingml/2006/main" xmlns:r="http://schemas.openxmlformats.org/officeDocument/2006/relationships" xmlns:p="http://schemas.openxmlformats.org/presentationml/2006/main">
+  <p:cSld>
+    <p:spTree>
+      <p:nvGrpSpPr>
+        <p:cNvPr id="1" name=""/>
+        <p:cNvGrpSpPr/>
+        <p:nvPr/>
+      </p:nvGrpSpPr>
+      <p:grpSpPr>
+        <a:xfrm>
+          <a:off x="0" y="0"/>
+          <a:ext cx="0" cy="0"/>
+          <a:chOff x="0" y="0"/>
+          <a:chExt cx="0" cy="0"/>
+        </a:xfrm>
+      </p:grpSpPr>
+      <p:sp>
+        <p:nvSpPr>
+          <p:cNvPr id="2" name="标题 1"/>
+          <p:cNvSpPr>
+            <a:spLocks noGrp="1"/>
+          </p:cNvSpPr>
+          <p:nvPr>
+            <p:ph type="title"/>
+          </p:nvPr>
+        </p:nvSpPr>
+        <p:spPr/>
+        <p:txBody>
+          <a:bodyPr/>
+          <a:lstStyle/>
+          <a:p>
+            <a:r>
+              <a:rPr lang="en-US" dirty="0" smtClean="0"/>
+              <a:t>Project Manager</a:t>
+            </a:r>
+            <a:endParaRPr lang="en-US" dirty="0"/>
+          </a:p>
+        </p:txBody>
+      </p:sp>
+      <p:sp>
+        <p:nvSpPr>
+          <p:cNvPr id="4" name="矩形 3"/>
           <p:cNvSpPr/>
           <p:nvPr/>
         </p:nvSpPr>
         <p:spPr>
           <a:xfrm>
-            <a:off x="3355912" y="1038810"/>
-            <a:ext cx="1374710" cy="510073"/>
+            <a:off x="987228" y="1690688"/>
+            <a:ext cx="3867993" cy="4685836"/>
           </a:xfrm>
           <a:prstGeom prst="rect">
             <a:avLst/>
@@ -3044,26 +3134,136 @@
           <a:lstStyle/>
           <a:p>
             <a:pPr algn="ctr"/>
-            <a:r>
-              <a:rPr lang="en-US" dirty="0" err="1" smtClean="0"/>
-              <a:t>fileManager</a:t>
-            </a:r>
-            <a:endParaRPr lang="en-US" dirty="0"/>
-          </a:p>
-        </p:txBody>
-      </p:sp>
-      <p:sp>
-        <p:nvSpPr>
-          <p:cNvPr id="6" name="右箭头 5"/>
+            <a:endParaRPr lang="en-US"/>
+          </a:p>
+        </p:txBody>
+      </p:sp>
+      <p:sp>
+        <p:nvSpPr>
+          <p:cNvPr id="5" name="矩形 4"/>
           <p:cNvSpPr/>
           <p:nvPr/>
         </p:nvSpPr>
         <p:spPr>
           <a:xfrm>
-            <a:off x="2452397" y="1038810"/>
-            <a:ext cx="696686" cy="510073"/>
-          </a:xfrm>
-          <a:prstGeom prst="rightArrow">
+            <a:off x="4867359" y="1690688"/>
+            <a:ext cx="6635469" cy="4685836"/>
+          </a:xfrm>
+          <a:prstGeom prst="rect">
+            <a:avLst/>
+          </a:prstGeom>
+        </p:spPr>
+        <p:style>
+          <a:lnRef idx="2">
+            <a:schemeClr val="accent6">
+              <a:shade val="50000"/>
+            </a:schemeClr>
+          </a:lnRef>
+          <a:fillRef idx="1">
+            <a:schemeClr val="accent6"/>
+          </a:fillRef>
+          <a:effectRef idx="0">
+            <a:schemeClr val="accent6"/>
+          </a:effectRef>
+          <a:fontRef idx="minor">
+            <a:schemeClr val="lt1"/>
+          </a:fontRef>
+        </p:style>
+        <p:txBody>
+          <a:bodyPr rtlCol="0" anchor="ctr"/>
+          <a:lstStyle/>
+          <a:p>
+            <a:pPr algn="ctr"/>
+            <a:endParaRPr lang="en-US" dirty="0"/>
+          </a:p>
+        </p:txBody>
+      </p:sp>
+      <p:sp>
+        <p:nvSpPr>
+          <p:cNvPr id="6" name="矩形 5"/>
+          <p:cNvSpPr/>
+          <p:nvPr/>
+        </p:nvSpPr>
+        <p:spPr>
+          <a:xfrm>
+            <a:off x="987228" y="1690688"/>
+            <a:ext cx="3867993" cy="801659"/>
+          </a:xfrm>
+          <a:prstGeom prst="rect">
+            <a:avLst/>
+          </a:prstGeom>
+        </p:spPr>
+        <p:style>
+          <a:lnRef idx="2">
+            <a:schemeClr val="accent6">
+              <a:shade val="50000"/>
+            </a:schemeClr>
+          </a:lnRef>
+          <a:fillRef idx="1">
+            <a:schemeClr val="accent6"/>
+          </a:fillRef>
+          <a:effectRef idx="0">
+            <a:schemeClr val="accent6"/>
+          </a:effectRef>
+          <a:fontRef idx="minor">
+            <a:schemeClr val="lt1"/>
+          </a:fontRef>
+        </p:style>
+        <p:txBody>
+          <a:bodyPr rtlCol="0" anchor="ctr"/>
+          <a:lstStyle/>
+          <a:p>
+            <a:pPr algn="ctr"/>
+            <a:r>
+              <a:rPr lang="en-US" dirty="0" smtClean="0"/>
+              <a:t>Project1</a:t>
+            </a:r>
+            <a:endParaRPr lang="en-US" dirty="0"/>
+          </a:p>
+        </p:txBody>
+      </p:sp>
+      <p:sp>
+        <p:nvSpPr>
+          <p:cNvPr id="7" name="文本框 6"/>
+          <p:cNvSpPr txBox="1"/>
+          <p:nvPr/>
+        </p:nvSpPr>
+        <p:spPr>
+          <a:xfrm>
+            <a:off x="5153786" y="1906851"/>
+            <a:ext cx="1884427" cy="369332"/>
+          </a:xfrm>
+          <a:prstGeom prst="rect">
+            <a:avLst/>
+          </a:prstGeom>
+          <a:noFill/>
+        </p:spPr>
+        <p:txBody>
+          <a:bodyPr wrap="none" rtlCol="0">
+            <a:spAutoFit/>
+          </a:bodyPr>
+          <a:lstStyle/>
+          <a:p>
+            <a:r>
+              <a:rPr lang="en-US" dirty="0" smtClean="0"/>
+              <a:t>Project 1 Property</a:t>
+            </a:r>
+            <a:endParaRPr lang="en-US" dirty="0"/>
+          </a:p>
+        </p:txBody>
+      </p:sp>
+      <p:sp>
+        <p:nvSpPr>
+          <p:cNvPr id="8" name="矩形 7"/>
+          <p:cNvSpPr/>
+          <p:nvPr/>
+        </p:nvSpPr>
+        <p:spPr>
+          <a:xfrm>
+            <a:off x="5907522" y="3798935"/>
+            <a:ext cx="1942089" cy="925361"/>
+          </a:xfrm>
+          <a:prstGeom prst="rect">
             <a:avLst/>
           </a:prstGeom>
         </p:spPr>
@@ -3088,14 +3288,684 @@
           <a:lstStyle/>
           <a:p>
             <a:pPr algn="ctr"/>
-            <a:endParaRPr lang="en-US"/>
+            <a:r>
+              <a:rPr lang="en-US" dirty="0" smtClean="0"/>
+              <a:t>Manage files</a:t>
+            </a:r>
+            <a:endParaRPr lang="en-US" dirty="0"/>
+          </a:p>
+        </p:txBody>
+      </p:sp>
+      <p:sp>
+        <p:nvSpPr>
+          <p:cNvPr id="9" name="矩形 8"/>
+          <p:cNvSpPr/>
+          <p:nvPr/>
+        </p:nvSpPr>
+        <p:spPr>
+          <a:xfrm>
+            <a:off x="8889774" y="3798936"/>
+            <a:ext cx="1767437" cy="925361"/>
+          </a:xfrm>
+          <a:prstGeom prst="rect">
+            <a:avLst/>
+          </a:prstGeom>
+        </p:spPr>
+        <p:style>
+          <a:lnRef idx="2">
+            <a:schemeClr val="accent1">
+              <a:shade val="50000"/>
+            </a:schemeClr>
+          </a:lnRef>
+          <a:fillRef idx="1">
+            <a:schemeClr val="accent1"/>
+          </a:fillRef>
+          <a:effectRef idx="0">
+            <a:schemeClr val="accent1"/>
+          </a:effectRef>
+          <a:fontRef idx="minor">
+            <a:schemeClr val="lt1"/>
+          </a:fontRef>
+        </p:style>
+        <p:txBody>
+          <a:bodyPr rtlCol="0" anchor="ctr"/>
+          <a:lstStyle/>
+          <a:p>
+            <a:pPr algn="ctr"/>
+            <a:r>
+              <a:rPr lang="en-US" dirty="0" smtClean="0"/>
+              <a:t>Data analysis</a:t>
+            </a:r>
+            <a:endParaRPr lang="en-US" dirty="0"/>
+          </a:p>
+        </p:txBody>
+      </p:sp>
+      <p:sp>
+        <p:nvSpPr>
+          <p:cNvPr id="10" name="矩形 9"/>
+          <p:cNvSpPr/>
+          <p:nvPr/>
+        </p:nvSpPr>
+        <p:spPr>
+          <a:xfrm>
+            <a:off x="5588898" y="5162799"/>
+            <a:ext cx="2826819" cy="275050"/>
+          </a:xfrm>
+          <a:prstGeom prst="rect">
+            <a:avLst/>
+          </a:prstGeom>
+        </p:spPr>
+        <p:style>
+          <a:lnRef idx="2">
+            <a:schemeClr val="accent1">
+              <a:shade val="50000"/>
+            </a:schemeClr>
+          </a:lnRef>
+          <a:fillRef idx="1">
+            <a:schemeClr val="accent1"/>
+          </a:fillRef>
+          <a:effectRef idx="0">
+            <a:schemeClr val="accent1"/>
+          </a:effectRef>
+          <a:fontRef idx="minor">
+            <a:schemeClr val="lt1"/>
+          </a:fontRef>
+        </p:style>
+        <p:txBody>
+          <a:bodyPr rtlCol="0" anchor="ctr"/>
+          <a:lstStyle/>
+          <a:p>
+            <a:pPr algn="ctr"/>
+            <a:r>
+              <a:rPr lang="en-US" dirty="0" smtClean="0"/>
+              <a:t>Export report</a:t>
+            </a:r>
+            <a:endParaRPr lang="en-US" dirty="0"/>
+          </a:p>
+        </p:txBody>
+      </p:sp>
+      <p:sp>
+        <p:nvSpPr>
+          <p:cNvPr id="11" name="矩形 10"/>
+          <p:cNvSpPr/>
+          <p:nvPr/>
+        </p:nvSpPr>
+        <p:spPr>
+          <a:xfrm>
+            <a:off x="5588897" y="5732111"/>
+            <a:ext cx="2826819" cy="275050"/>
+          </a:xfrm>
+          <a:prstGeom prst="rect">
+            <a:avLst/>
+          </a:prstGeom>
+        </p:spPr>
+        <p:style>
+          <a:lnRef idx="2">
+            <a:schemeClr val="accent1">
+              <a:shade val="50000"/>
+            </a:schemeClr>
+          </a:lnRef>
+          <a:fillRef idx="1">
+            <a:schemeClr val="accent1"/>
+          </a:fillRef>
+          <a:effectRef idx="0">
+            <a:schemeClr val="accent1"/>
+          </a:effectRef>
+          <a:fontRef idx="minor">
+            <a:schemeClr val="lt1"/>
+          </a:fontRef>
+        </p:style>
+        <p:txBody>
+          <a:bodyPr rtlCol="0" anchor="ctr"/>
+          <a:lstStyle/>
+          <a:p>
+            <a:pPr algn="ctr"/>
+            <a:r>
+              <a:rPr lang="en-US" dirty="0" smtClean="0"/>
+              <a:t>Download report.pdf</a:t>
+            </a:r>
+            <a:endParaRPr lang="en-US" dirty="0"/>
+          </a:p>
+        </p:txBody>
+      </p:sp>
+      <p:sp>
+        <p:nvSpPr>
+          <p:cNvPr id="12" name="矩形 11"/>
+          <p:cNvSpPr/>
+          <p:nvPr/>
+        </p:nvSpPr>
+        <p:spPr>
+          <a:xfrm>
+            <a:off x="999366" y="2615421"/>
+            <a:ext cx="3867993" cy="801659"/>
+          </a:xfrm>
+          <a:prstGeom prst="rect">
+            <a:avLst/>
+          </a:prstGeom>
+        </p:spPr>
+        <p:style>
+          <a:lnRef idx="2">
+            <a:schemeClr val="accent5">
+              <a:shade val="50000"/>
+            </a:schemeClr>
+          </a:lnRef>
+          <a:fillRef idx="1">
+            <a:schemeClr val="accent5"/>
+          </a:fillRef>
+          <a:effectRef idx="0">
+            <a:schemeClr val="accent5"/>
+          </a:effectRef>
+          <a:fontRef idx="minor">
+            <a:schemeClr val="lt1"/>
+          </a:fontRef>
+        </p:style>
+        <p:txBody>
+          <a:bodyPr rtlCol="0" anchor="ctr"/>
+          <a:lstStyle/>
+          <a:p>
+            <a:pPr algn="ctr"/>
+            <a:r>
+              <a:rPr lang="en-US" dirty="0" smtClean="0"/>
+              <a:t>Project2</a:t>
+            </a:r>
+            <a:endParaRPr lang="en-US" dirty="0"/>
+          </a:p>
+        </p:txBody>
+      </p:sp>
+      <p:sp>
+        <p:nvSpPr>
+          <p:cNvPr id="13" name="矩形 12"/>
+          <p:cNvSpPr/>
+          <p:nvPr/>
+        </p:nvSpPr>
+        <p:spPr>
+          <a:xfrm>
+            <a:off x="999365" y="3540154"/>
+            <a:ext cx="3867993" cy="801659"/>
+          </a:xfrm>
+          <a:prstGeom prst="rect">
+            <a:avLst/>
+          </a:prstGeom>
+        </p:spPr>
+        <p:style>
+          <a:lnRef idx="2">
+            <a:schemeClr val="accent5">
+              <a:shade val="50000"/>
+            </a:schemeClr>
+          </a:lnRef>
+          <a:fillRef idx="1">
+            <a:schemeClr val="accent5"/>
+          </a:fillRef>
+          <a:effectRef idx="0">
+            <a:schemeClr val="accent5"/>
+          </a:effectRef>
+          <a:fontRef idx="minor">
+            <a:schemeClr val="lt1"/>
+          </a:fontRef>
+        </p:style>
+        <p:txBody>
+          <a:bodyPr rtlCol="0" anchor="ctr"/>
+          <a:lstStyle/>
+          <a:p>
+            <a:pPr algn="ctr"/>
+            <a:r>
+              <a:rPr lang="en-US" dirty="0" smtClean="0"/>
+              <a:t>Project3</a:t>
+            </a:r>
+            <a:endParaRPr lang="en-US" dirty="0"/>
           </a:p>
         </p:txBody>
       </p:sp>
     </p:spTree>
     <p:extLst>
       <p:ext uri="{BB962C8B-B14F-4D97-AF65-F5344CB8AC3E}">
-        <p14:creationId xmlns:p14="http://schemas.microsoft.com/office/powerpoint/2010/main" val="2000895252"/>
+        <p14:creationId xmlns:p14="http://schemas.microsoft.com/office/powerpoint/2010/main" val="4077543710"/>
+      </p:ext>
+    </p:extLst>
+  </p:cSld>
+  <p:clrMapOvr>
+    <a:masterClrMapping/>
+  </p:clrMapOvr>
+  <p:timing>
+    <p:tnLst>
+      <p:par>
+        <p:cTn id="1" dur="indefinite" restart="never" nodeType="tmRoot"/>
+      </p:par>
+    </p:tnLst>
+  </p:timing>
+</p:sld>
+</file>
+
+<file path=ppt/slides/slide3.xml><?xml version="1.0" encoding="utf-8"?>
+<p:sld xmlns:a="http://schemas.openxmlformats.org/drawingml/2006/main" xmlns:r="http://schemas.openxmlformats.org/officeDocument/2006/relationships" xmlns:p="http://schemas.openxmlformats.org/presentationml/2006/main">
+  <p:cSld>
+    <p:spTree>
+      <p:nvGrpSpPr>
+        <p:cNvPr id="1" name=""/>
+        <p:cNvGrpSpPr/>
+        <p:nvPr/>
+      </p:nvGrpSpPr>
+      <p:grpSpPr>
+        <a:xfrm>
+          <a:off x="0" y="0"/>
+          <a:ext cx="0" cy="0"/>
+          <a:chOff x="0" y="0"/>
+          <a:chExt cx="0" cy="0"/>
+        </a:xfrm>
+      </p:grpSpPr>
+      <p:sp>
+        <p:nvSpPr>
+          <p:cNvPr id="2" name="标题 1"/>
+          <p:cNvSpPr>
+            <a:spLocks noGrp="1"/>
+          </p:cNvSpPr>
+          <p:nvPr>
+            <p:ph type="title"/>
+          </p:nvPr>
+        </p:nvSpPr>
+        <p:spPr/>
+        <p:txBody>
+          <a:bodyPr/>
+          <a:lstStyle/>
+          <a:p>
+            <a:r>
+              <a:rPr lang="en-US" altLang="zh-CN" dirty="0" smtClean="0"/>
+              <a:t>Data Analysis Tools</a:t>
+            </a:r>
+            <a:endParaRPr lang="en-US" dirty="0"/>
+          </a:p>
+        </p:txBody>
+      </p:sp>
+      <p:sp>
+        <p:nvSpPr>
+          <p:cNvPr id="4" name="矩形 3"/>
+          <p:cNvSpPr/>
+          <p:nvPr/>
+        </p:nvSpPr>
+        <p:spPr>
+          <a:xfrm>
+            <a:off x="838200" y="1586039"/>
+            <a:ext cx="1937368" cy="4976602"/>
+          </a:xfrm>
+          <a:prstGeom prst="rect">
+            <a:avLst/>
+          </a:prstGeom>
+        </p:spPr>
+        <p:style>
+          <a:lnRef idx="2">
+            <a:schemeClr val="accent1">
+              <a:shade val="50000"/>
+            </a:schemeClr>
+          </a:lnRef>
+          <a:fillRef idx="1">
+            <a:schemeClr val="accent1"/>
+          </a:fillRef>
+          <a:effectRef idx="0">
+            <a:schemeClr val="accent1"/>
+          </a:effectRef>
+          <a:fontRef idx="minor">
+            <a:schemeClr val="lt1"/>
+          </a:fontRef>
+        </p:style>
+        <p:txBody>
+          <a:bodyPr rtlCol="0" anchor="ctr"/>
+          <a:lstStyle/>
+          <a:p>
+            <a:pPr algn="ctr"/>
+            <a:endParaRPr lang="en-US"/>
+          </a:p>
+        </p:txBody>
+      </p:sp>
+      <p:sp>
+        <p:nvSpPr>
+          <p:cNvPr id="5" name="矩形 4"/>
+          <p:cNvSpPr/>
+          <p:nvPr/>
+        </p:nvSpPr>
+        <p:spPr>
+          <a:xfrm>
+            <a:off x="3002145" y="2468071"/>
+            <a:ext cx="9022620" cy="4094570"/>
+          </a:xfrm>
+          <a:prstGeom prst="rect">
+            <a:avLst/>
+          </a:prstGeom>
+        </p:spPr>
+        <p:style>
+          <a:lnRef idx="2">
+            <a:schemeClr val="accent1">
+              <a:shade val="50000"/>
+            </a:schemeClr>
+          </a:lnRef>
+          <a:fillRef idx="1">
+            <a:schemeClr val="accent1"/>
+          </a:fillRef>
+          <a:effectRef idx="0">
+            <a:schemeClr val="accent1"/>
+          </a:effectRef>
+          <a:fontRef idx="minor">
+            <a:schemeClr val="lt1"/>
+          </a:fontRef>
+        </p:style>
+        <p:txBody>
+          <a:bodyPr rtlCol="0" anchor="ctr"/>
+          <a:lstStyle/>
+          <a:p>
+            <a:pPr algn="ctr"/>
+            <a:endParaRPr lang="en-US"/>
+          </a:p>
+        </p:txBody>
+      </p:sp>
+      <p:sp>
+        <p:nvSpPr>
+          <p:cNvPr id="6" name="矩形 5"/>
+          <p:cNvSpPr/>
+          <p:nvPr/>
+        </p:nvSpPr>
+        <p:spPr>
+          <a:xfrm>
+            <a:off x="3002145" y="1586039"/>
+            <a:ext cx="1788340" cy="801111"/>
+          </a:xfrm>
+          <a:prstGeom prst="rect">
+            <a:avLst/>
+          </a:prstGeom>
+        </p:spPr>
+        <p:style>
+          <a:lnRef idx="2">
+            <a:schemeClr val="accent1">
+              <a:shade val="50000"/>
+            </a:schemeClr>
+          </a:lnRef>
+          <a:fillRef idx="1">
+            <a:schemeClr val="accent1"/>
+          </a:fillRef>
+          <a:effectRef idx="0">
+            <a:schemeClr val="accent1"/>
+          </a:effectRef>
+          <a:fontRef idx="minor">
+            <a:schemeClr val="lt1"/>
+          </a:fontRef>
+        </p:style>
+        <p:txBody>
+          <a:bodyPr rtlCol="0" anchor="ctr"/>
+          <a:lstStyle/>
+          <a:p>
+            <a:pPr algn="ctr"/>
+            <a:r>
+              <a:rPr lang="en-US" dirty="0" smtClean="0"/>
+              <a:t>analysis</a:t>
+            </a:r>
+            <a:endParaRPr lang="en-US" dirty="0"/>
+          </a:p>
+        </p:txBody>
+      </p:sp>
+      <p:sp>
+        <p:nvSpPr>
+          <p:cNvPr id="7" name="矩形 6"/>
+          <p:cNvSpPr/>
+          <p:nvPr/>
+        </p:nvSpPr>
+        <p:spPr>
+          <a:xfrm>
+            <a:off x="4918609" y="1586038"/>
+            <a:ext cx="1788340" cy="801111"/>
+          </a:xfrm>
+          <a:prstGeom prst="rect">
+            <a:avLst/>
+          </a:prstGeom>
+        </p:spPr>
+        <p:style>
+          <a:lnRef idx="2">
+            <a:schemeClr val="accent1">
+              <a:shade val="50000"/>
+            </a:schemeClr>
+          </a:lnRef>
+          <a:fillRef idx="1">
+            <a:schemeClr val="accent1"/>
+          </a:fillRef>
+          <a:effectRef idx="0">
+            <a:schemeClr val="accent1"/>
+          </a:effectRef>
+          <a:fontRef idx="minor">
+            <a:schemeClr val="lt1"/>
+          </a:fontRef>
+        </p:style>
+        <p:txBody>
+          <a:bodyPr rtlCol="0" anchor="ctr"/>
+          <a:lstStyle/>
+          <a:p>
+            <a:pPr algn="ctr"/>
+            <a:r>
+              <a:rPr lang="en-US" dirty="0" smtClean="0"/>
+              <a:t>report</a:t>
+            </a:r>
+            <a:endParaRPr lang="en-US" dirty="0"/>
+          </a:p>
+        </p:txBody>
+      </p:sp>
+      <p:sp>
+        <p:nvSpPr>
+          <p:cNvPr id="8" name="矩形 7"/>
+          <p:cNvSpPr/>
+          <p:nvPr/>
+        </p:nvSpPr>
+        <p:spPr>
+          <a:xfrm>
+            <a:off x="3244906" y="2767476"/>
+            <a:ext cx="995321" cy="323682"/>
+          </a:xfrm>
+          <a:prstGeom prst="rect">
+            <a:avLst/>
+          </a:prstGeom>
+        </p:spPr>
+        <p:style>
+          <a:lnRef idx="1">
+            <a:schemeClr val="accent6"/>
+          </a:lnRef>
+          <a:fillRef idx="3">
+            <a:schemeClr val="accent6"/>
+          </a:fillRef>
+          <a:effectRef idx="2">
+            <a:schemeClr val="accent6"/>
+          </a:effectRef>
+          <a:fontRef idx="minor">
+            <a:schemeClr val="lt1"/>
+          </a:fontRef>
+        </p:style>
+        <p:txBody>
+          <a:bodyPr rtlCol="0" anchor="ctr"/>
+          <a:lstStyle/>
+          <a:p>
+            <a:pPr algn="ctr"/>
+            <a:r>
+              <a:rPr lang="en-US" dirty="0" smtClean="0"/>
+              <a:t>run</a:t>
+            </a:r>
+            <a:endParaRPr lang="en-US" dirty="0"/>
+          </a:p>
+        </p:txBody>
+      </p:sp>
+      <p:sp>
+        <p:nvSpPr>
+          <p:cNvPr id="9" name="矩形 8"/>
+          <p:cNvSpPr/>
+          <p:nvPr/>
+        </p:nvSpPr>
+        <p:spPr>
+          <a:xfrm>
+            <a:off x="1043873" y="1796432"/>
+            <a:ext cx="1537486" cy="396510"/>
+          </a:xfrm>
+          <a:prstGeom prst="rect">
+            <a:avLst/>
+          </a:prstGeom>
+        </p:spPr>
+        <p:style>
+          <a:lnRef idx="2">
+            <a:schemeClr val="accent6">
+              <a:shade val="50000"/>
+            </a:schemeClr>
+          </a:lnRef>
+          <a:fillRef idx="1">
+            <a:schemeClr val="accent6"/>
+          </a:fillRef>
+          <a:effectRef idx="0">
+            <a:schemeClr val="accent6"/>
+          </a:effectRef>
+          <a:fontRef idx="minor">
+            <a:schemeClr val="lt1"/>
+          </a:fontRef>
+        </p:style>
+        <p:txBody>
+          <a:bodyPr rtlCol="0" anchor="ctr"/>
+          <a:lstStyle/>
+          <a:p>
+            <a:pPr algn="ctr"/>
+            <a:r>
+              <a:rPr lang="en-US" dirty="0" smtClean="0"/>
+              <a:t>Analysis 1</a:t>
+            </a:r>
+            <a:endParaRPr lang="en-US" dirty="0"/>
+          </a:p>
+        </p:txBody>
+      </p:sp>
+      <p:sp>
+        <p:nvSpPr>
+          <p:cNvPr id="10" name="矩形 9"/>
+          <p:cNvSpPr/>
+          <p:nvPr/>
+        </p:nvSpPr>
+        <p:spPr>
+          <a:xfrm>
+            <a:off x="1043873" y="2370966"/>
+            <a:ext cx="1537486" cy="396510"/>
+          </a:xfrm>
+          <a:prstGeom prst="rect">
+            <a:avLst/>
+          </a:prstGeom>
+        </p:spPr>
+        <p:style>
+          <a:lnRef idx="2">
+            <a:schemeClr val="accent6">
+              <a:shade val="50000"/>
+            </a:schemeClr>
+          </a:lnRef>
+          <a:fillRef idx="1">
+            <a:schemeClr val="accent6"/>
+          </a:fillRef>
+          <a:effectRef idx="0">
+            <a:schemeClr val="accent6"/>
+          </a:effectRef>
+          <a:fontRef idx="minor">
+            <a:schemeClr val="lt1"/>
+          </a:fontRef>
+        </p:style>
+        <p:txBody>
+          <a:bodyPr rtlCol="0" anchor="ctr"/>
+          <a:lstStyle/>
+          <a:p>
+            <a:pPr algn="ctr"/>
+            <a:r>
+              <a:rPr lang="en-US" dirty="0" smtClean="0"/>
+              <a:t>Analysis 2</a:t>
+            </a:r>
+            <a:endParaRPr lang="en-US" dirty="0"/>
+          </a:p>
+        </p:txBody>
+      </p:sp>
+      <p:sp>
+        <p:nvSpPr>
+          <p:cNvPr id="11" name="矩形 10"/>
+          <p:cNvSpPr/>
+          <p:nvPr/>
+        </p:nvSpPr>
+        <p:spPr>
+          <a:xfrm>
+            <a:off x="1043873" y="2929317"/>
+            <a:ext cx="1537486" cy="396510"/>
+          </a:xfrm>
+          <a:prstGeom prst="rect">
+            <a:avLst/>
+          </a:prstGeom>
+        </p:spPr>
+        <p:style>
+          <a:lnRef idx="2">
+            <a:schemeClr val="accent6">
+              <a:shade val="50000"/>
+            </a:schemeClr>
+          </a:lnRef>
+          <a:fillRef idx="1">
+            <a:schemeClr val="accent6"/>
+          </a:fillRef>
+          <a:effectRef idx="0">
+            <a:schemeClr val="accent6"/>
+          </a:effectRef>
+          <a:fontRef idx="minor">
+            <a:schemeClr val="lt1"/>
+          </a:fontRef>
+        </p:style>
+        <p:txBody>
+          <a:bodyPr rtlCol="0" anchor="ctr"/>
+          <a:lstStyle/>
+          <a:p>
+            <a:pPr algn="ctr"/>
+            <a:r>
+              <a:rPr lang="en-US" dirty="0" smtClean="0"/>
+              <a:t>Analysis 3</a:t>
+            </a:r>
+            <a:endParaRPr lang="en-US" dirty="0"/>
+          </a:p>
+        </p:txBody>
+      </p:sp>
+      <p:sp>
+        <p:nvSpPr>
+          <p:cNvPr id="12" name="矩形 11"/>
+          <p:cNvSpPr/>
+          <p:nvPr/>
+        </p:nvSpPr>
+        <p:spPr>
+          <a:xfrm>
+            <a:off x="1043873" y="3495761"/>
+            <a:ext cx="1537486" cy="396510"/>
+          </a:xfrm>
+          <a:prstGeom prst="rect">
+            <a:avLst/>
+          </a:prstGeom>
+        </p:spPr>
+        <p:style>
+          <a:lnRef idx="2">
+            <a:schemeClr val="accent6">
+              <a:shade val="50000"/>
+            </a:schemeClr>
+          </a:lnRef>
+          <a:fillRef idx="1">
+            <a:schemeClr val="accent6"/>
+          </a:fillRef>
+          <a:effectRef idx="0">
+            <a:schemeClr val="accent6"/>
+          </a:effectRef>
+          <a:fontRef idx="minor">
+            <a:schemeClr val="lt1"/>
+          </a:fontRef>
+        </p:style>
+        <p:txBody>
+          <a:bodyPr rtlCol="0" anchor="ctr"/>
+          <a:lstStyle/>
+          <a:p>
+            <a:pPr algn="ctr"/>
+            <a:r>
+              <a:rPr lang="en-US" dirty="0" smtClean="0"/>
+              <a:t>Analysis 4</a:t>
+            </a:r>
+            <a:endParaRPr lang="en-US" dirty="0"/>
+          </a:p>
+        </p:txBody>
+      </p:sp>
+    </p:spTree>
+    <p:extLst>
+      <p:ext uri="{BB962C8B-B14F-4D97-AF65-F5344CB8AC3E}">
+        <p14:creationId xmlns:p14="http://schemas.microsoft.com/office/powerpoint/2010/main" val="3692065928"/>
       </p:ext>
     </p:extLst>
   </p:cSld>

--- a/design/design.pptx
+++ b/design/design.pptx
@@ -7,7 +7,8 @@
   <p:sldIdLst>
     <p:sldId id="256" r:id="rId2"/>
     <p:sldId id="258" r:id="rId3"/>
-    <p:sldId id="257" r:id="rId4"/>
+    <p:sldId id="259" r:id="rId4"/>
+    <p:sldId id="257" r:id="rId5"/>
   </p:sldIdLst>
   <p:sldSz cx="12192000" cy="6858000"/>
   <p:notesSz cx="6858000" cy="9144000"/>
@@ -112,6 +113,136 @@
     </p:ext>
   </p:extLst>
 </p:presentation>
+</file>
+
+<file path=ppt/commentAuthors.xml><?xml version="1.0" encoding="utf-8"?>
+<p:cmAuthorLst xmlns:a="http://schemas.openxmlformats.org/drawingml/2006/main" xmlns:r="http://schemas.openxmlformats.org/officeDocument/2006/relationships" xmlns:p="http://schemas.openxmlformats.org/presentationml/2006/main">
+  <p:cmAuthor id="1" name="I@xieguigang.me" initials="xie.gg" lastIdx="11" clrIdx="0">
+    <p:extLst>
+      <p:ext uri="{19B8F6BF-5375-455C-9EA6-DF929625EA0E}">
+        <p15:presenceInfo xmlns:p15="http://schemas.microsoft.com/office/powerpoint/2012/main" userId="I@xieguigang.me" providerId="None"/>
+      </p:ext>
+    </p:extLst>
+  </p:cmAuthor>
+</p:cmAuthorLst>
+</file>
+
+<file path=ppt/comments/comment1.xml><?xml version="1.0" encoding="utf-8"?>
+<p:cmLst xmlns:a="http://schemas.openxmlformats.org/drawingml/2006/main" xmlns:r="http://schemas.openxmlformats.org/officeDocument/2006/relationships" xmlns:p="http://schemas.openxmlformats.org/presentationml/2006/main">
+  <p:cm authorId="1" dt="2018-04-13T22:29:16.476" idx="6">
+    <p:pos x="5301" y="3252"/>
+    <p:text>每一个数据分析都会生成一份独立的小节报告，通过点击这个链接可以将这些独立的小节报告整合成为一份完整的报告html网页</p:text>
+    <p:extLst>
+      <p:ext uri="{C676402C-5697-4E1C-873F-D02D1690AC5C}">
+        <p15:threadingInfo xmlns:p15="http://schemas.microsoft.com/office/powerpoint/2012/main" timeZoneBias="-480"/>
+      </p:ext>
+    </p:extLst>
+  </p:cm>
+  <p:cm authorId="1" dt="2018-04-13T22:30:27.177" idx="7">
+    <p:pos x="5301" y="3611"/>
+    <p:text>将整合的网页报告转换为pdf进行下载</p:text>
+    <p:extLst>
+      <p:ext uri="{C676402C-5697-4E1C-873F-D02D1690AC5C}">
+        <p15:threadingInfo xmlns:p15="http://schemas.microsoft.com/office/powerpoint/2012/main" timeZoneBias="-480"/>
+      </p:ext>
+    </p:extLst>
+  </p:cm>
+  <p:cm authorId="1" dt="2018-04-13T22:31:01.397" idx="8">
+    <p:pos x="4248" y="1224"/>
+    <p:text>项目名字，项目类型，项目创建日期，项目描述摘要等基本信息的显示</p:text>
+    <p:extLst>
+      <p:ext uri="{C676402C-5697-4E1C-873F-D02D1690AC5C}">
+        <p15:threadingInfo xmlns:p15="http://schemas.microsoft.com/office/powerpoint/2012/main" timeZoneBias="-480"/>
+      </p:ext>
+    </p:extLst>
+  </p:cm>
+  <p:cm authorId="1" dt="2018-04-13T22:32:27.841" idx="9">
+    <p:pos x="6762" y="1344"/>
+    <p:text>可以每天在这里记录下分析心得笔记</p:text>
+    <p:extLst>
+      <p:ext uri="{C676402C-5697-4E1C-873F-D02D1690AC5C}">
+        <p15:threadingInfo xmlns:p15="http://schemas.microsoft.com/office/powerpoint/2012/main" timeZoneBias="-480"/>
+      </p:ext>
+    </p:extLst>
+  </p:cm>
+  <p:cm authorId="1" dt="2018-04-13T22:33:38.476" idx="10">
+    <p:pos x="6762" y="1440"/>
+    <p:text>类似于github一样的activity可视化？？用来追踪这个项目的进度和活动程度？？</p:text>
+    <p:extLst>
+      <p:ext uri="{C676402C-5697-4E1C-873F-D02D1690AC5C}">
+        <p15:threadingInfo xmlns:p15="http://schemas.microsoft.com/office/powerpoint/2012/main" timeZoneBias="-480">
+          <p15:parentCm authorId="1" idx="9"/>
+        </p15:threadingInfo>
+      </p:ext>
+    </p:extLst>
+  </p:cm>
+  <p:cm authorId="1" dt="2018-04-13T22:35:28.663" idx="11">
+    <p:pos x="6762" y="1536"/>
+    <p:text>分析日志，时间轴，即哪一天做了哪些分析</p:text>
+    <p:extLst>
+      <p:ext uri="{C676402C-5697-4E1C-873F-D02D1690AC5C}">
+        <p15:threadingInfo xmlns:p15="http://schemas.microsoft.com/office/powerpoint/2012/main" timeZoneBias="-480">
+          <p15:parentCm authorId="1" idx="9"/>
+        </p15:threadingInfo>
+      </p:ext>
+    </p:extLst>
+  </p:cm>
+</p:cmLst>
+</file>
+
+<file path=ppt/comments/comment2.xml><?xml version="1.0" encoding="utf-8"?>
+<p:cmLst xmlns:a="http://schemas.openxmlformats.org/drawingml/2006/main" xmlns:r="http://schemas.openxmlformats.org/officeDocument/2006/relationships" xmlns:p="http://schemas.openxmlformats.org/presentationml/2006/main">
+  <p:cm authorId="1" dt="2018-04-13T22:24:27.616" idx="1">
+    <p:pos x="6175" y="2663"/>
+    <p:text>根据content type的不同，打开相应的预览页面</p:text>
+    <p:extLst>
+      <p:ext uri="{C676402C-5697-4E1C-873F-D02D1690AC5C}">
+        <p15:threadingInfo xmlns:p15="http://schemas.microsoft.com/office/powerpoint/2012/main" timeZoneBias="-480"/>
+      </p:ext>
+    </p:extLst>
+  </p:cm>
+  <p:cm authorId="1" dt="2018-04-13T22:25:06.546" idx="2">
+    <p:pos x="6978" y="2232"/>
+    <p:text>文件的来源有三种：用户自己上传，来自于其他用户的共享引用，来自于bioCAD上的某某分析程序</p:text>
+    <p:extLst>
+      <p:ext uri="{C676402C-5697-4E1C-873F-D02D1690AC5C}">
+        <p15:threadingInfo xmlns:p15="http://schemas.microsoft.com/office/powerpoint/2012/main" timeZoneBias="-480"/>
+      </p:ext>
+    </p:extLst>
+  </p:cm>
+  <p:cm authorId="1" dt="2018-04-13T22:26:30.256" idx="3">
+    <p:pos x="6216" y="1614"/>
+    <p:text>可以双击文件名进行重命名</p:text>
+    <p:extLst>
+      <p:ext uri="{C676402C-5697-4E1C-873F-D02D1690AC5C}">
+        <p15:threadingInfo xmlns:p15="http://schemas.microsoft.com/office/powerpoint/2012/main" timeZoneBias="-480"/>
+      </p:ext>
+    </p:extLst>
+  </p:cm>
+</p:cmLst>
+</file>
+
+<file path=ppt/comments/comment3.xml><?xml version="1.0" encoding="utf-8"?>
+<p:cmLst xmlns:a="http://schemas.openxmlformats.org/drawingml/2006/main" xmlns:r="http://schemas.openxmlformats.org/officeDocument/2006/relationships" xmlns:p="http://schemas.openxmlformats.org/presentationml/2006/main">
+  <p:cm authorId="1" dt="2018-04-13T22:27:04.976" idx="4">
+    <p:pos x="4225" y="999"/>
+    <p:text>必须要执行过一次分析之后这个标签页才会变为有效。显示的是当前的数据分析的上一次分析结果</p:text>
+    <p:extLst>
+      <p:ext uri="{C676402C-5697-4E1C-873F-D02D1690AC5C}">
+        <p15:threadingInfo xmlns:p15="http://schemas.microsoft.com/office/powerpoint/2012/main" timeZoneBias="-480"/>
+      </p:ext>
+    </p:extLst>
+  </p:cm>
+  <p:cm authorId="1" dt="2018-04-13T22:28:02.669" idx="5">
+    <p:pos x="2671" y="1743"/>
+    <p:text>会根据数据库之中对分析的定义来决定是否创建人物，当run完毕之后就可以浏览报告了</p:text>
+    <p:extLst>
+      <p:ext uri="{C676402C-5697-4E1C-873F-D02D1690AC5C}">
+        <p15:threadingInfo xmlns:p15="http://schemas.microsoft.com/office/powerpoint/2012/main" timeZoneBias="-480"/>
+      </p:ext>
+    </p:extLst>
+  </p:cm>
+</p:cmLst>
 </file>
 
 <file path=ppt/slideLayouts/slideLayout1.xml><?xml version="1.0" encoding="utf-8"?>
@@ -2973,66 +3104,30 @@
       </p:grpSpPr>
       <p:sp>
         <p:nvSpPr>
-          <p:cNvPr id="2" name="矩形 1"/>
-          <p:cNvSpPr/>
-          <p:nvPr/>
-        </p:nvSpPr>
-        <p:spPr>
-          <a:xfrm>
-            <a:off x="950615" y="2218099"/>
-            <a:ext cx="2716040" cy="1140736"/>
-          </a:xfrm>
-          <a:prstGeom prst="rect">
-            <a:avLst/>
-          </a:prstGeom>
-        </p:spPr>
-        <p:style>
-          <a:lnRef idx="2">
-            <a:schemeClr val="accent1">
-              <a:shade val="50000"/>
-            </a:schemeClr>
-          </a:lnRef>
-          <a:fillRef idx="1">
-            <a:schemeClr val="accent1"/>
-          </a:fillRef>
-          <a:effectRef idx="0">
-            <a:schemeClr val="accent1"/>
-          </a:effectRef>
-          <a:fontRef idx="minor">
-            <a:schemeClr val="lt1"/>
-          </a:fontRef>
-        </p:style>
-        <p:txBody>
-          <a:bodyPr rtlCol="0" anchor="ctr"/>
-          <a:lstStyle/>
-          <a:p>
-            <a:pPr algn="ctr"/>
+          <p:cNvPr id="3" name="标题 2"/>
+          <p:cNvSpPr>
+            <a:spLocks noGrp="1"/>
+          </p:cNvSpPr>
+          <p:nvPr>
+            <p:ph type="title"/>
+          </p:nvPr>
+        </p:nvSpPr>
+        <p:spPr/>
+        <p:txBody>
+          <a:bodyPr/>
+          <a:lstStyle/>
+          <a:p>
+            <a:r>
+              <a:rPr lang="en-US" dirty="0" err="1" smtClean="0"/>
+              <a:t>bioCAD</a:t>
+            </a:r>
             <a:r>
               <a:rPr lang="en-US" dirty="0" smtClean="0"/>
-              <a:t>index</a:t>
-            </a:r>
-            <a:endParaRPr lang="en-US" dirty="0"/>
-          </a:p>
-        </p:txBody>
-      </p:sp>
-      <p:sp>
-        <p:nvSpPr>
-          <p:cNvPr id="3" name="标题 2"/>
-          <p:cNvSpPr>
-            <a:spLocks noGrp="1"/>
-          </p:cNvSpPr>
-          <p:nvPr>
-            <p:ph type="title"/>
-          </p:nvPr>
-        </p:nvSpPr>
-        <p:spPr/>
-        <p:txBody>
-          <a:bodyPr/>
-          <a:lstStyle/>
-          <a:p>
+              <a:t> PHP.NET </a:t>
+            </a:r>
             <a:r>
               <a:rPr lang="en-US" dirty="0" smtClean="0"/>
-              <a:t>PHP.NET Apps</a:t>
+              <a:t>Apps</a:t>
             </a:r>
             <a:endParaRPr lang="en-US" dirty="0"/>
           </a:p>
@@ -3516,6 +3611,50 @@
           </a:p>
         </p:txBody>
       </p:sp>
+      <p:sp>
+        <p:nvSpPr>
+          <p:cNvPr id="14" name="矩形 13"/>
+          <p:cNvSpPr/>
+          <p:nvPr/>
+        </p:nvSpPr>
+        <p:spPr>
+          <a:xfrm>
+            <a:off x="8582025" y="2133600"/>
+            <a:ext cx="2152650" cy="1283480"/>
+          </a:xfrm>
+          <a:prstGeom prst="rect">
+            <a:avLst/>
+          </a:prstGeom>
+        </p:spPr>
+        <p:style>
+          <a:lnRef idx="2">
+            <a:schemeClr val="accent1">
+              <a:shade val="50000"/>
+            </a:schemeClr>
+          </a:lnRef>
+          <a:fillRef idx="1">
+            <a:schemeClr val="accent1"/>
+          </a:fillRef>
+          <a:effectRef idx="0">
+            <a:schemeClr val="accent1"/>
+          </a:effectRef>
+          <a:fontRef idx="minor">
+            <a:schemeClr val="lt1"/>
+          </a:fontRef>
+        </p:style>
+        <p:txBody>
+          <a:bodyPr rtlCol="0" anchor="ctr"/>
+          <a:lstStyle/>
+          <a:p>
+            <a:pPr algn="ctr"/>
+            <a:r>
+              <a:rPr lang="en-US" dirty="0" smtClean="0"/>
+              <a:t>Notes</a:t>
+            </a:r>
+            <a:endParaRPr lang="en-US" dirty="0"/>
+          </a:p>
+        </p:txBody>
+      </p:sp>
     </p:spTree>
     <p:extLst>
       <p:ext uri="{BB962C8B-B14F-4D97-AF65-F5344CB8AC3E}">
@@ -3537,6 +3676,769 @@
 </file>
 
 <file path=ppt/slides/slide3.xml><?xml version="1.0" encoding="utf-8"?>
+<p:sld xmlns:a="http://schemas.openxmlformats.org/drawingml/2006/main" xmlns:r="http://schemas.openxmlformats.org/officeDocument/2006/relationships" xmlns:p="http://schemas.openxmlformats.org/presentationml/2006/main">
+  <p:cSld>
+    <p:spTree>
+      <p:nvGrpSpPr>
+        <p:cNvPr id="1" name=""/>
+        <p:cNvGrpSpPr/>
+        <p:nvPr/>
+      </p:nvGrpSpPr>
+      <p:grpSpPr>
+        <a:xfrm>
+          <a:off x="0" y="0"/>
+          <a:ext cx="0" cy="0"/>
+          <a:chOff x="0" y="0"/>
+          <a:chExt cx="0" cy="0"/>
+        </a:xfrm>
+      </p:grpSpPr>
+      <p:sp>
+        <p:nvSpPr>
+          <p:cNvPr id="2" name="标题 1"/>
+          <p:cNvSpPr>
+            <a:spLocks noGrp="1"/>
+          </p:cNvSpPr>
+          <p:nvPr>
+            <p:ph type="title"/>
+          </p:nvPr>
+        </p:nvSpPr>
+        <p:spPr/>
+        <p:txBody>
+          <a:bodyPr/>
+          <a:lstStyle/>
+          <a:p>
+            <a:r>
+              <a:rPr lang="en-US" dirty="0" smtClean="0"/>
+              <a:t>File Explorer</a:t>
+            </a:r>
+            <a:endParaRPr lang="en-US" dirty="0"/>
+          </a:p>
+        </p:txBody>
+      </p:sp>
+      <p:sp>
+        <p:nvSpPr>
+          <p:cNvPr id="4" name="矩形 3"/>
+          <p:cNvSpPr/>
+          <p:nvPr/>
+        </p:nvSpPr>
+        <p:spPr>
+          <a:xfrm>
+            <a:off x="736375" y="1690688"/>
+            <a:ext cx="2063469" cy="4734388"/>
+          </a:xfrm>
+          <a:prstGeom prst="rect">
+            <a:avLst/>
+          </a:prstGeom>
+        </p:spPr>
+        <p:style>
+          <a:lnRef idx="2">
+            <a:schemeClr val="accent1">
+              <a:shade val="50000"/>
+            </a:schemeClr>
+          </a:lnRef>
+          <a:fillRef idx="1">
+            <a:schemeClr val="accent1"/>
+          </a:fillRef>
+          <a:effectRef idx="0">
+            <a:schemeClr val="accent1"/>
+          </a:effectRef>
+          <a:fontRef idx="minor">
+            <a:schemeClr val="lt1"/>
+          </a:fontRef>
+        </p:style>
+        <p:txBody>
+          <a:bodyPr vert="eaVert" rtlCol="0" anchor="ctr"/>
+          <a:lstStyle/>
+          <a:p>
+            <a:pPr algn="ctr"/>
+            <a:r>
+              <a:rPr lang="en-US" sz="3200" dirty="0" smtClean="0"/>
+              <a:t>File </a:t>
+            </a:r>
+            <a:r>
+              <a:rPr lang="en-US" sz="3200" dirty="0" err="1" smtClean="0"/>
+              <a:t>contentTypes</a:t>
+            </a:r>
+            <a:r>
+              <a:rPr lang="en-US" sz="3200" dirty="0" smtClean="0"/>
+              <a:t> Filter</a:t>
+            </a:r>
+            <a:endParaRPr lang="en-US" sz="3200" dirty="0"/>
+          </a:p>
+        </p:txBody>
+      </p:sp>
+      <p:sp>
+        <p:nvSpPr>
+          <p:cNvPr id="5" name="矩形 4"/>
+          <p:cNvSpPr/>
+          <p:nvPr/>
+        </p:nvSpPr>
+        <p:spPr>
+          <a:xfrm>
+            <a:off x="2864581" y="1690688"/>
+            <a:ext cx="8489219" cy="4734388"/>
+          </a:xfrm>
+          <a:prstGeom prst="rect">
+            <a:avLst/>
+          </a:prstGeom>
+        </p:spPr>
+        <p:style>
+          <a:lnRef idx="2">
+            <a:schemeClr val="accent1">
+              <a:shade val="50000"/>
+            </a:schemeClr>
+          </a:lnRef>
+          <a:fillRef idx="1">
+            <a:schemeClr val="accent1"/>
+          </a:fillRef>
+          <a:effectRef idx="0">
+            <a:schemeClr val="accent1"/>
+          </a:effectRef>
+          <a:fontRef idx="minor">
+            <a:schemeClr val="lt1"/>
+          </a:fontRef>
+        </p:style>
+        <p:txBody>
+          <a:bodyPr rtlCol="0" anchor="ctr"/>
+          <a:lstStyle/>
+          <a:p>
+            <a:pPr algn="ctr"/>
+            <a:endParaRPr lang="en-US"/>
+          </a:p>
+        </p:txBody>
+      </p:sp>
+      <p:sp>
+        <p:nvSpPr>
+          <p:cNvPr id="6" name="矩形 5"/>
+          <p:cNvSpPr/>
+          <p:nvPr/>
+        </p:nvSpPr>
+        <p:spPr>
+          <a:xfrm>
+            <a:off x="3155894" y="1909720"/>
+            <a:ext cx="1035780" cy="639271"/>
+          </a:xfrm>
+          <a:prstGeom prst="rect">
+            <a:avLst/>
+          </a:prstGeom>
+        </p:spPr>
+        <p:style>
+          <a:lnRef idx="2">
+            <a:schemeClr val="accent4">
+              <a:shade val="50000"/>
+            </a:schemeClr>
+          </a:lnRef>
+          <a:fillRef idx="1">
+            <a:schemeClr val="accent4"/>
+          </a:fillRef>
+          <a:effectRef idx="0">
+            <a:schemeClr val="accent4"/>
+          </a:effectRef>
+          <a:fontRef idx="minor">
+            <a:schemeClr val="lt1"/>
+          </a:fontRef>
+        </p:style>
+        <p:txBody>
+          <a:bodyPr rtlCol="0" anchor="ctr"/>
+          <a:lstStyle/>
+          <a:p>
+            <a:pPr algn="ctr"/>
+            <a:r>
+              <a:rPr lang="en-US" dirty="0" smtClean="0"/>
+              <a:t>Folder1</a:t>
+            </a:r>
+            <a:endParaRPr lang="en-US" dirty="0"/>
+          </a:p>
+        </p:txBody>
+      </p:sp>
+      <p:sp>
+        <p:nvSpPr>
+          <p:cNvPr id="7" name="矩形 6"/>
+          <p:cNvSpPr/>
+          <p:nvPr/>
+        </p:nvSpPr>
+        <p:spPr>
+          <a:xfrm>
+            <a:off x="4482987" y="1909720"/>
+            <a:ext cx="1035780" cy="639271"/>
+          </a:xfrm>
+          <a:prstGeom prst="rect">
+            <a:avLst/>
+          </a:prstGeom>
+        </p:spPr>
+        <p:style>
+          <a:lnRef idx="2">
+            <a:schemeClr val="accent4">
+              <a:shade val="50000"/>
+            </a:schemeClr>
+          </a:lnRef>
+          <a:fillRef idx="1">
+            <a:schemeClr val="accent4"/>
+          </a:fillRef>
+          <a:effectRef idx="0">
+            <a:schemeClr val="accent4"/>
+          </a:effectRef>
+          <a:fontRef idx="minor">
+            <a:schemeClr val="lt1"/>
+          </a:fontRef>
+        </p:style>
+        <p:txBody>
+          <a:bodyPr rtlCol="0" anchor="ctr"/>
+          <a:lstStyle/>
+          <a:p>
+            <a:pPr algn="ctr"/>
+            <a:r>
+              <a:rPr lang="en-US" dirty="0" smtClean="0"/>
+              <a:t>Folder2</a:t>
+            </a:r>
+            <a:endParaRPr lang="en-US" dirty="0"/>
+          </a:p>
+        </p:txBody>
+      </p:sp>
+      <p:sp>
+        <p:nvSpPr>
+          <p:cNvPr id="8" name="矩形 7"/>
+          <p:cNvSpPr/>
+          <p:nvPr/>
+        </p:nvSpPr>
+        <p:spPr>
+          <a:xfrm>
+            <a:off x="5761529" y="1909720"/>
+            <a:ext cx="1157161" cy="639271"/>
+          </a:xfrm>
+          <a:prstGeom prst="rect">
+            <a:avLst/>
+          </a:prstGeom>
+        </p:spPr>
+        <p:style>
+          <a:lnRef idx="2">
+            <a:schemeClr val="accent6">
+              <a:shade val="50000"/>
+            </a:schemeClr>
+          </a:lnRef>
+          <a:fillRef idx="1">
+            <a:schemeClr val="accent6"/>
+          </a:fillRef>
+          <a:effectRef idx="0">
+            <a:schemeClr val="accent6"/>
+          </a:effectRef>
+          <a:fontRef idx="minor">
+            <a:schemeClr val="lt1"/>
+          </a:fontRef>
+        </p:style>
+        <p:txBody>
+          <a:bodyPr rtlCol="0" anchor="ctr"/>
+          <a:lstStyle/>
+          <a:p>
+            <a:pPr algn="ctr"/>
+            <a:r>
+              <a:rPr lang="en-US" dirty="0" smtClean="0"/>
+              <a:t>File1</a:t>
+            </a:r>
+            <a:endParaRPr lang="en-US" dirty="0"/>
+          </a:p>
+        </p:txBody>
+      </p:sp>
+      <p:sp>
+        <p:nvSpPr>
+          <p:cNvPr id="9" name="矩形 8"/>
+          <p:cNvSpPr/>
+          <p:nvPr/>
+        </p:nvSpPr>
+        <p:spPr>
+          <a:xfrm>
+            <a:off x="7109190" y="1909720"/>
+            <a:ext cx="1157161" cy="639271"/>
+          </a:xfrm>
+          <a:prstGeom prst="rect">
+            <a:avLst/>
+          </a:prstGeom>
+        </p:spPr>
+        <p:style>
+          <a:lnRef idx="2">
+            <a:schemeClr val="accent6">
+              <a:shade val="50000"/>
+            </a:schemeClr>
+          </a:lnRef>
+          <a:fillRef idx="1">
+            <a:schemeClr val="accent6"/>
+          </a:fillRef>
+          <a:effectRef idx="0">
+            <a:schemeClr val="accent6"/>
+          </a:effectRef>
+          <a:fontRef idx="minor">
+            <a:schemeClr val="lt1"/>
+          </a:fontRef>
+        </p:style>
+        <p:txBody>
+          <a:bodyPr rtlCol="0" anchor="ctr"/>
+          <a:lstStyle/>
+          <a:p>
+            <a:pPr algn="ctr"/>
+            <a:r>
+              <a:rPr lang="en-US" dirty="0" smtClean="0"/>
+              <a:t>File2</a:t>
+            </a:r>
+            <a:endParaRPr lang="en-US" dirty="0"/>
+          </a:p>
+        </p:txBody>
+      </p:sp>
+      <p:sp>
+        <p:nvSpPr>
+          <p:cNvPr id="10" name="矩形 9"/>
+          <p:cNvSpPr/>
+          <p:nvPr/>
+        </p:nvSpPr>
+        <p:spPr>
+          <a:xfrm>
+            <a:off x="3155894" y="2895599"/>
+            <a:ext cx="1157161" cy="639271"/>
+          </a:xfrm>
+          <a:prstGeom prst="rect">
+            <a:avLst/>
+          </a:prstGeom>
+        </p:spPr>
+        <p:style>
+          <a:lnRef idx="2">
+            <a:schemeClr val="accent6">
+              <a:shade val="50000"/>
+            </a:schemeClr>
+          </a:lnRef>
+          <a:fillRef idx="1">
+            <a:schemeClr val="accent6"/>
+          </a:fillRef>
+          <a:effectRef idx="0">
+            <a:schemeClr val="accent6"/>
+          </a:effectRef>
+          <a:fontRef idx="minor">
+            <a:schemeClr val="lt1"/>
+          </a:fontRef>
+        </p:style>
+        <p:txBody>
+          <a:bodyPr rtlCol="0" anchor="ctr"/>
+          <a:lstStyle/>
+          <a:p>
+            <a:pPr algn="ctr"/>
+            <a:r>
+              <a:rPr lang="en-US" dirty="0" smtClean="0"/>
+              <a:t>File3</a:t>
+            </a:r>
+            <a:endParaRPr lang="en-US" dirty="0"/>
+          </a:p>
+        </p:txBody>
+      </p:sp>
+      <p:sp>
+        <p:nvSpPr>
+          <p:cNvPr id="14" name="矩形 13"/>
+          <p:cNvSpPr/>
+          <p:nvPr/>
+        </p:nvSpPr>
+        <p:spPr>
+          <a:xfrm>
+            <a:off x="4424151" y="2858508"/>
+            <a:ext cx="1274831" cy="713450"/>
+          </a:xfrm>
+          <a:prstGeom prst="rect">
+            <a:avLst/>
+          </a:prstGeom>
+          <a:ln>
+            <a:solidFill>
+              <a:srgbClr val="FF0000"/>
+            </a:solidFill>
+          </a:ln>
+        </p:spPr>
+        <p:style>
+          <a:lnRef idx="2">
+            <a:schemeClr val="accent1">
+              <a:shade val="50000"/>
+            </a:schemeClr>
+          </a:lnRef>
+          <a:fillRef idx="1">
+            <a:schemeClr val="accent1"/>
+          </a:fillRef>
+          <a:effectRef idx="0">
+            <a:schemeClr val="accent1"/>
+          </a:effectRef>
+          <a:fontRef idx="minor">
+            <a:schemeClr val="lt1"/>
+          </a:fontRef>
+        </p:style>
+        <p:txBody>
+          <a:bodyPr rtlCol="0" anchor="ctr"/>
+          <a:lstStyle/>
+          <a:p>
+            <a:pPr algn="ctr"/>
+            <a:endParaRPr lang="en-US"/>
+          </a:p>
+        </p:txBody>
+      </p:sp>
+      <p:sp>
+        <p:nvSpPr>
+          <p:cNvPr id="12" name="矩形 11"/>
+          <p:cNvSpPr/>
+          <p:nvPr/>
+        </p:nvSpPr>
+        <p:spPr>
+          <a:xfrm>
+            <a:off x="8456851" y="1690688"/>
+            <a:ext cx="2896949" cy="4734388"/>
+          </a:xfrm>
+          <a:prstGeom prst="rect">
+            <a:avLst/>
+          </a:prstGeom>
+        </p:spPr>
+        <p:style>
+          <a:lnRef idx="2">
+            <a:schemeClr val="accent5">
+              <a:shade val="50000"/>
+            </a:schemeClr>
+          </a:lnRef>
+          <a:fillRef idx="1">
+            <a:schemeClr val="accent5"/>
+          </a:fillRef>
+          <a:effectRef idx="0">
+            <a:schemeClr val="accent5"/>
+          </a:effectRef>
+          <a:fontRef idx="minor">
+            <a:schemeClr val="lt1"/>
+          </a:fontRef>
+        </p:style>
+        <p:txBody>
+          <a:bodyPr rtlCol="0" anchor="ctr"/>
+          <a:lstStyle/>
+          <a:p>
+            <a:pPr algn="ctr"/>
+            <a:endParaRPr lang="en-US"/>
+          </a:p>
+        </p:txBody>
+      </p:sp>
+      <p:sp>
+        <p:nvSpPr>
+          <p:cNvPr id="13" name="文本框 12"/>
+          <p:cNvSpPr txBox="1"/>
+          <p:nvPr/>
+        </p:nvSpPr>
+        <p:spPr>
+          <a:xfrm>
+            <a:off x="8629524" y="1923811"/>
+            <a:ext cx="2066078" cy="369332"/>
+          </a:xfrm>
+          <a:prstGeom prst="rect">
+            <a:avLst/>
+          </a:prstGeom>
+          <a:noFill/>
+        </p:spPr>
+        <p:txBody>
+          <a:bodyPr wrap="none" rtlCol="0">
+            <a:spAutoFit/>
+          </a:bodyPr>
+          <a:lstStyle/>
+          <a:p>
+            <a:r>
+              <a:rPr lang="en-US" dirty="0" smtClean="0"/>
+              <a:t>File property viewer</a:t>
+            </a:r>
+            <a:endParaRPr lang="en-US" dirty="0"/>
+          </a:p>
+        </p:txBody>
+      </p:sp>
+      <p:sp>
+        <p:nvSpPr>
+          <p:cNvPr id="11" name="矩形 10"/>
+          <p:cNvSpPr/>
+          <p:nvPr/>
+        </p:nvSpPr>
+        <p:spPr>
+          <a:xfrm>
+            <a:off x="4482987" y="2895598"/>
+            <a:ext cx="1157161" cy="639271"/>
+          </a:xfrm>
+          <a:prstGeom prst="rect">
+            <a:avLst/>
+          </a:prstGeom>
+        </p:spPr>
+        <p:style>
+          <a:lnRef idx="2">
+            <a:schemeClr val="accent6">
+              <a:shade val="50000"/>
+            </a:schemeClr>
+          </a:lnRef>
+          <a:fillRef idx="1">
+            <a:schemeClr val="accent6"/>
+          </a:fillRef>
+          <a:effectRef idx="0">
+            <a:schemeClr val="accent6"/>
+          </a:effectRef>
+          <a:fontRef idx="minor">
+            <a:schemeClr val="lt1"/>
+          </a:fontRef>
+        </p:style>
+        <p:txBody>
+          <a:bodyPr rtlCol="0" anchor="ctr"/>
+          <a:lstStyle/>
+          <a:p>
+            <a:pPr algn="ctr"/>
+            <a:r>
+              <a:rPr lang="en-US" dirty="0" smtClean="0"/>
+              <a:t>File4</a:t>
+            </a:r>
+            <a:endParaRPr lang="en-US" dirty="0"/>
+          </a:p>
+        </p:txBody>
+      </p:sp>
+      <p:sp>
+        <p:nvSpPr>
+          <p:cNvPr id="15" name="矩形 14"/>
+          <p:cNvSpPr/>
+          <p:nvPr/>
+        </p:nvSpPr>
+        <p:spPr>
+          <a:xfrm>
+            <a:off x="8640628" y="4758116"/>
+            <a:ext cx="2529393" cy="1173345"/>
+          </a:xfrm>
+          <a:prstGeom prst="rect">
+            <a:avLst/>
+          </a:prstGeom>
+        </p:spPr>
+        <p:style>
+          <a:lnRef idx="2">
+            <a:schemeClr val="accent1">
+              <a:shade val="50000"/>
+            </a:schemeClr>
+          </a:lnRef>
+          <a:fillRef idx="1">
+            <a:schemeClr val="accent1"/>
+          </a:fillRef>
+          <a:effectRef idx="0">
+            <a:schemeClr val="accent1"/>
+          </a:effectRef>
+          <a:fontRef idx="minor">
+            <a:schemeClr val="lt1"/>
+          </a:fontRef>
+        </p:style>
+        <p:txBody>
+          <a:bodyPr rtlCol="0" anchor="ctr"/>
+          <a:lstStyle/>
+          <a:p>
+            <a:pPr algn="ctr"/>
+            <a:r>
+              <a:rPr lang="en-US" dirty="0" smtClean="0"/>
+              <a:t>note</a:t>
+            </a:r>
+            <a:endParaRPr lang="en-US" dirty="0"/>
+          </a:p>
+        </p:txBody>
+      </p:sp>
+      <p:sp>
+        <p:nvSpPr>
+          <p:cNvPr id="16" name="圆角矩形 15"/>
+          <p:cNvSpPr/>
+          <p:nvPr/>
+        </p:nvSpPr>
+        <p:spPr>
+          <a:xfrm>
+            <a:off x="8747490" y="6020474"/>
+            <a:ext cx="1229990" cy="315589"/>
+          </a:xfrm>
+          <a:prstGeom prst="roundRect">
+            <a:avLst/>
+          </a:prstGeom>
+        </p:spPr>
+        <p:style>
+          <a:lnRef idx="2">
+            <a:schemeClr val="accent1">
+              <a:shade val="50000"/>
+            </a:schemeClr>
+          </a:lnRef>
+          <a:fillRef idx="1">
+            <a:schemeClr val="accent1"/>
+          </a:fillRef>
+          <a:effectRef idx="0">
+            <a:schemeClr val="accent1"/>
+          </a:effectRef>
+          <a:fontRef idx="minor">
+            <a:schemeClr val="lt1"/>
+          </a:fontRef>
+        </p:style>
+        <p:txBody>
+          <a:bodyPr rtlCol="0" anchor="ctr"/>
+          <a:lstStyle/>
+          <a:p>
+            <a:pPr algn="ctr"/>
+            <a:r>
+              <a:rPr lang="en-US" dirty="0" smtClean="0"/>
+              <a:t>Download</a:t>
+            </a:r>
+            <a:endParaRPr lang="en-US" dirty="0"/>
+          </a:p>
+        </p:txBody>
+      </p:sp>
+      <p:sp>
+        <p:nvSpPr>
+          <p:cNvPr id="17" name="圆角矩形 16"/>
+          <p:cNvSpPr/>
+          <p:nvPr/>
+        </p:nvSpPr>
+        <p:spPr>
+          <a:xfrm>
+            <a:off x="10113336" y="6020473"/>
+            <a:ext cx="1056685" cy="315589"/>
+          </a:xfrm>
+          <a:prstGeom prst="roundRect">
+            <a:avLst/>
+          </a:prstGeom>
+        </p:spPr>
+        <p:style>
+          <a:lnRef idx="2">
+            <a:schemeClr val="accent1">
+              <a:shade val="50000"/>
+            </a:schemeClr>
+          </a:lnRef>
+          <a:fillRef idx="1">
+            <a:schemeClr val="accent1"/>
+          </a:fillRef>
+          <a:effectRef idx="0">
+            <a:schemeClr val="accent1"/>
+          </a:effectRef>
+          <a:fontRef idx="minor">
+            <a:schemeClr val="lt1"/>
+          </a:fontRef>
+        </p:style>
+        <p:txBody>
+          <a:bodyPr rtlCol="0" anchor="ctr"/>
+          <a:lstStyle/>
+          <a:p>
+            <a:pPr algn="ctr"/>
+            <a:r>
+              <a:rPr lang="en-US" dirty="0" smtClean="0"/>
+              <a:t>Delete</a:t>
+            </a:r>
+            <a:endParaRPr lang="en-US" dirty="0"/>
+          </a:p>
+        </p:txBody>
+      </p:sp>
+      <p:sp>
+        <p:nvSpPr>
+          <p:cNvPr id="18" name="文本框 17"/>
+          <p:cNvSpPr txBox="1"/>
+          <p:nvPr/>
+        </p:nvSpPr>
+        <p:spPr>
+          <a:xfrm>
+            <a:off x="8641112" y="2526266"/>
+            <a:ext cx="3343159" cy="1477328"/>
+          </a:xfrm>
+          <a:prstGeom prst="rect">
+            <a:avLst/>
+          </a:prstGeom>
+          <a:noFill/>
+        </p:spPr>
+        <p:txBody>
+          <a:bodyPr wrap="none" rtlCol="0">
+            <a:spAutoFit/>
+          </a:bodyPr>
+          <a:lstStyle/>
+          <a:p>
+            <a:r>
+              <a:rPr lang="en-US" dirty="0" smtClean="0"/>
+              <a:t>Name: XXXXXX</a:t>
+            </a:r>
+          </a:p>
+          <a:p>
+            <a:r>
+              <a:rPr lang="en-US" dirty="0" smtClean="0"/>
+              <a:t>Bio </a:t>
+            </a:r>
+            <a:r>
+              <a:rPr lang="en-US" dirty="0" err="1" smtClean="0"/>
+              <a:t>mimetype</a:t>
+            </a:r>
+            <a:endParaRPr lang="en-US" dirty="0" smtClean="0"/>
+          </a:p>
+          <a:p>
+            <a:r>
+              <a:rPr lang="en-US" dirty="0" smtClean="0"/>
+              <a:t>Size: 000000</a:t>
+            </a:r>
+          </a:p>
+          <a:p>
+            <a:r>
+              <a:rPr lang="en-US" dirty="0" smtClean="0"/>
+              <a:t>Create time:0000-00-00</a:t>
+            </a:r>
+          </a:p>
+          <a:p>
+            <a:r>
+              <a:rPr lang="en-US" dirty="0" smtClean="0"/>
+              <a:t>Source: upload/shared/</a:t>
+            </a:r>
+            <a:r>
+              <a:rPr lang="en-US" dirty="0" err="1" smtClean="0"/>
+              <a:t>result_file</a:t>
+            </a:r>
+            <a:endParaRPr lang="en-US" dirty="0"/>
+          </a:p>
+        </p:txBody>
+      </p:sp>
+      <p:sp>
+        <p:nvSpPr>
+          <p:cNvPr id="19" name="圆角矩形 18"/>
+          <p:cNvSpPr/>
+          <p:nvPr/>
+        </p:nvSpPr>
+        <p:spPr>
+          <a:xfrm>
+            <a:off x="8808181" y="4227642"/>
+            <a:ext cx="995320" cy="315589"/>
+          </a:xfrm>
+          <a:prstGeom prst="roundRect">
+            <a:avLst/>
+          </a:prstGeom>
+        </p:spPr>
+        <p:style>
+          <a:lnRef idx="2">
+            <a:schemeClr val="accent1">
+              <a:shade val="50000"/>
+            </a:schemeClr>
+          </a:lnRef>
+          <a:fillRef idx="1">
+            <a:schemeClr val="accent1"/>
+          </a:fillRef>
+          <a:effectRef idx="0">
+            <a:schemeClr val="accent1"/>
+          </a:effectRef>
+          <a:fontRef idx="minor">
+            <a:schemeClr val="lt1"/>
+          </a:fontRef>
+        </p:style>
+        <p:txBody>
+          <a:bodyPr rtlCol="0" anchor="ctr"/>
+          <a:lstStyle/>
+          <a:p>
+            <a:pPr algn="ctr"/>
+            <a:r>
+              <a:rPr lang="en-US" dirty="0" smtClean="0"/>
+              <a:t>Preview</a:t>
+            </a:r>
+            <a:endParaRPr lang="en-US" dirty="0"/>
+          </a:p>
+        </p:txBody>
+      </p:sp>
+    </p:spTree>
+    <p:extLst>
+      <p:ext uri="{BB962C8B-B14F-4D97-AF65-F5344CB8AC3E}">
+        <p14:creationId xmlns:p14="http://schemas.microsoft.com/office/powerpoint/2010/main" val="1444451245"/>
+      </p:ext>
+    </p:extLst>
+  </p:cSld>
+  <p:clrMapOvr>
+    <a:masterClrMapping/>
+  </p:clrMapOvr>
+</p:sld>
+</file>
+
+<file path=ppt/slides/slide4.xml><?xml version="1.0" encoding="utf-8"?>
 <p:sld xmlns:a="http://schemas.openxmlformats.org/drawingml/2006/main" xmlns:r="http://schemas.openxmlformats.org/officeDocument/2006/relationships" xmlns:p="http://schemas.openxmlformats.org/presentationml/2006/main">
   <p:cSld>
     <p:spTree>
